--- a/001. 세미나 자료/07. 7차시/2014-09-01 김혜민 숫자 게임.pptx
+++ b/001. 세미나 자료/07. 7차시/2014-09-01 김혜민 숫자 게임.pptx
@@ -250,7 +250,7 @@
           <a:p>
             <a:fld id="{A4201EB1-3AC9-47F7-A387-171BC5F9F78E}" type="datetimeFigureOut">
               <a:rPr lang="ko-KR" altLang="en-US" smtClean="0"/>
-              <a:t>2014-08-28</a:t>
+              <a:t>2014-09-01</a:t>
             </a:fld>
             <a:endParaRPr lang="ko-KR" altLang="en-US"/>
           </a:p>
@@ -420,7 +420,7 @@
           <a:p>
             <a:fld id="{A4201EB1-3AC9-47F7-A387-171BC5F9F78E}" type="datetimeFigureOut">
               <a:rPr lang="ko-KR" altLang="en-US" smtClean="0"/>
-              <a:t>2014-08-28</a:t>
+              <a:t>2014-09-01</a:t>
             </a:fld>
             <a:endParaRPr lang="ko-KR" altLang="en-US"/>
           </a:p>
@@ -600,7 +600,7 @@
           <a:p>
             <a:fld id="{A4201EB1-3AC9-47F7-A387-171BC5F9F78E}" type="datetimeFigureOut">
               <a:rPr lang="ko-KR" altLang="en-US" smtClean="0"/>
-              <a:t>2014-08-28</a:t>
+              <a:t>2014-09-01</a:t>
             </a:fld>
             <a:endParaRPr lang="ko-KR" altLang="en-US"/>
           </a:p>
@@ -770,7 +770,7 @@
           <a:p>
             <a:fld id="{A4201EB1-3AC9-47F7-A387-171BC5F9F78E}" type="datetimeFigureOut">
               <a:rPr lang="ko-KR" altLang="en-US" smtClean="0"/>
-              <a:t>2014-08-28</a:t>
+              <a:t>2014-09-01</a:t>
             </a:fld>
             <a:endParaRPr lang="ko-KR" altLang="en-US"/>
           </a:p>
@@ -1016,7 +1016,7 @@
           <a:p>
             <a:fld id="{A4201EB1-3AC9-47F7-A387-171BC5F9F78E}" type="datetimeFigureOut">
               <a:rPr lang="ko-KR" altLang="en-US" smtClean="0"/>
-              <a:t>2014-08-28</a:t>
+              <a:t>2014-09-01</a:t>
             </a:fld>
             <a:endParaRPr lang="ko-KR" altLang="en-US"/>
           </a:p>
@@ -1248,7 +1248,7 @@
           <a:p>
             <a:fld id="{A4201EB1-3AC9-47F7-A387-171BC5F9F78E}" type="datetimeFigureOut">
               <a:rPr lang="ko-KR" altLang="en-US" smtClean="0"/>
-              <a:t>2014-08-28</a:t>
+              <a:t>2014-09-01</a:t>
             </a:fld>
             <a:endParaRPr lang="ko-KR" altLang="en-US"/>
           </a:p>
@@ -1615,7 +1615,7 @@
           <a:p>
             <a:fld id="{A4201EB1-3AC9-47F7-A387-171BC5F9F78E}" type="datetimeFigureOut">
               <a:rPr lang="ko-KR" altLang="en-US" smtClean="0"/>
-              <a:t>2014-08-28</a:t>
+              <a:t>2014-09-01</a:t>
             </a:fld>
             <a:endParaRPr lang="ko-KR" altLang="en-US"/>
           </a:p>
@@ -1733,7 +1733,7 @@
           <a:p>
             <a:fld id="{A4201EB1-3AC9-47F7-A387-171BC5F9F78E}" type="datetimeFigureOut">
               <a:rPr lang="ko-KR" altLang="en-US" smtClean="0"/>
-              <a:t>2014-08-28</a:t>
+              <a:t>2014-09-01</a:t>
             </a:fld>
             <a:endParaRPr lang="ko-KR" altLang="en-US"/>
           </a:p>
@@ -1828,7 +1828,7 @@
           <a:p>
             <a:fld id="{A4201EB1-3AC9-47F7-A387-171BC5F9F78E}" type="datetimeFigureOut">
               <a:rPr lang="ko-KR" altLang="en-US" smtClean="0"/>
-              <a:t>2014-08-28</a:t>
+              <a:t>2014-09-01</a:t>
             </a:fld>
             <a:endParaRPr lang="ko-KR" altLang="en-US"/>
           </a:p>
@@ -2105,7 +2105,7 @@
           <a:p>
             <a:fld id="{A4201EB1-3AC9-47F7-A387-171BC5F9F78E}" type="datetimeFigureOut">
               <a:rPr lang="ko-KR" altLang="en-US" smtClean="0"/>
-              <a:t>2014-08-28</a:t>
+              <a:t>2014-09-01</a:t>
             </a:fld>
             <a:endParaRPr lang="ko-KR" altLang="en-US"/>
           </a:p>
@@ -2358,7 +2358,7 @@
           <a:p>
             <a:fld id="{A4201EB1-3AC9-47F7-A387-171BC5F9F78E}" type="datetimeFigureOut">
               <a:rPr lang="ko-KR" altLang="en-US" smtClean="0"/>
-              <a:t>2014-08-28</a:t>
+              <a:t>2014-09-01</a:t>
             </a:fld>
             <a:endParaRPr lang="ko-KR" altLang="en-US"/>
           </a:p>
@@ -2571,7 +2571,7 @@
           <a:p>
             <a:fld id="{A4201EB1-3AC9-47F7-A387-171BC5F9F78E}" type="datetimeFigureOut">
               <a:rPr lang="ko-KR" altLang="en-US" smtClean="0"/>
-              <a:t>2014-08-28</a:t>
+              <a:t>2014-09-01</a:t>
             </a:fld>
             <a:endParaRPr lang="ko-KR" altLang="en-US"/>
           </a:p>
@@ -3064,17 +3064,7 @@
                   </a:schemeClr>
                 </a:solidFill>
               </a:rPr>
-              <a:t>ID: </a:t>
-            </a:r>
-            <a:r>
-              <a:rPr lang="en-US" altLang="ko-KR" dirty="0" smtClean="0">
-                <a:solidFill>
-                  <a:schemeClr val="bg1">
-                    <a:lumMod val="75000"/>
-                  </a:schemeClr>
-                </a:solidFill>
-              </a:rPr>
-              <a:t>NUMBERGAME, </a:t>
+              <a:t>ID: NUMBERGAME, </a:t>
             </a:r>
             <a:r>
               <a:rPr lang="ko-KR" altLang="en-US" dirty="0" smtClean="0">
@@ -6153,8 +6143,32 @@
         </p:blipFill>
         <p:spPr>
           <a:xfrm>
-            <a:off x="875762" y="2739667"/>
+            <a:off x="1445262" y="5366957"/>
             <a:ext cx="8948901" cy="932447"/>
+          </a:xfrm>
+          <a:prstGeom prst="rect">
+            <a:avLst/>
+          </a:prstGeom>
+        </p:spPr>
+      </p:pic>
+      <p:pic>
+        <p:nvPicPr>
+          <p:cNvPr id="3" name="그림 2"/>
+          <p:cNvPicPr>
+            <a:picLocks noChangeAspect="1"/>
+          </p:cNvPicPr>
+          <p:nvPr/>
+        </p:nvPicPr>
+        <p:blipFill>
+          <a:blip r:embed="rId3"/>
+          <a:stretch>
+            <a:fillRect/>
+          </a:stretch>
+        </p:blipFill>
+        <p:spPr>
+          <a:xfrm>
+            <a:off x="1987236" y="1529367"/>
+            <a:ext cx="7543197" cy="3042634"/>
           </a:xfrm>
           <a:prstGeom prst="rect">
             <a:avLst/>
